--- a/Präsentationen/Kick-Off_Agenda.pptx
+++ b/Präsentationen/Kick-Off_Agenda.pptx
@@ -130,6 +130,11 @@
       </a:defRPr>
     </a:lvl9pPr>
   </p:defaultTextStyle>
+  <p:extLst>
+    <p:ext uri="{EFAFB233-063F-42B5-8137-9DF3F51BA10A}">
+      <p15:sldGuideLst xmlns:p15="http://schemas.microsoft.com/office/powerpoint/2012/main"/>
+    </p:ext>
+  </p:extLst>
 </p:presentation>
 </file>
 
@@ -8534,12 +8539,15 @@
           </a:bodyPr>
           <a:lstStyle/>
           <a:p>
-            <a:endParaRPr lang="de-DE" sz="2000" b="1" strike="noStrike" spc="-1">
-              <a:solidFill>
-                <a:srgbClr val="000000"/>
-              </a:solidFill>
-              <a:latin typeface="Arial"/>
-            </a:endParaRPr>
+            <a:r>
+              <a:rPr lang="de-DE" sz="2000" b="1" strike="noStrike" spc="-1" dirty="0">
+                <a:solidFill>
+                  <a:srgbClr val="000000"/>
+                </a:solidFill>
+                <a:latin typeface="Arial"/>
+              </a:rPr>
+              <a:t>Marco</a:t>
+            </a:r>
           </a:p>
         </p:txBody>
       </p:sp>
@@ -8785,7 +8793,16 @@
           </a:bodyPr>
           <a:lstStyle/>
           <a:p>
-            <a:endParaRPr lang="de-DE" sz="2000" b="1" strike="noStrike" spc="-1">
+            <a:r>
+              <a:rPr lang="de-DE" sz="2000" b="1" spc="-1" dirty="0">
+                <a:solidFill>
+                  <a:srgbClr val="000000"/>
+                </a:solidFill>
+                <a:latin typeface="Arial"/>
+              </a:rPr>
+              <a:t>Lars</a:t>
+            </a:r>
+            <a:endParaRPr lang="de-DE" sz="2000" b="1" strike="noStrike" spc="-1" dirty="0">
               <a:solidFill>
                 <a:srgbClr val="000000"/>
               </a:solidFill>
@@ -11725,7 +11742,7 @@
         </p:blipFill>
         <p:spPr>
           <a:xfrm flipH="1">
-            <a:off x="191481" y="1236240"/>
+            <a:off x="191481" y="999840"/>
             <a:ext cx="5524560" cy="1937520"/>
           </a:xfrm>
           <a:prstGeom prst="rect">
@@ -11953,7 +11970,7 @@
         </p:nvSpPr>
         <p:spPr>
           <a:xfrm>
-            <a:off x="6121041" y="981000"/>
+            <a:off x="6190020" y="1385820"/>
             <a:ext cx="5878477" cy="2148840"/>
           </a:xfrm>
           <a:prstGeom prst="rect">
@@ -12009,32 +12026,13 @@
               </a:tabLst>
             </a:pPr>
             <a:r>
-              <a:rPr lang="de-DE" sz="1800" b="0" strike="noStrike" spc="-1" dirty="0">
+              <a:rPr lang="de-DE" spc="-1" dirty="0">
                 <a:solidFill>
                   <a:srgbClr val="000000"/>
                 </a:solidFill>
                 <a:latin typeface="Calibri"/>
               </a:rPr>
-              <a:t>Entwicklung eines digitalen Abbildes </a:t>
-            </a:r>
-            <a:r>
-              <a:rPr lang="de-DE" sz="1800" b="0" u="sng" strike="noStrike" spc="-1" dirty="0">
-                <a:solidFill>
-                  <a:srgbClr val="000000"/>
-                </a:solidFill>
-                <a:uFillTx/>
-                <a:latin typeface="Calibri"/>
-              </a:rPr>
-              <a:t>eines</a:t>
-            </a:r>
-            <a:r>
-              <a:rPr lang="de-DE" sz="1800" b="0" strike="noStrike" spc="-1" dirty="0">
-                <a:solidFill>
-                  <a:srgbClr val="000000"/>
-                </a:solidFill>
-                <a:latin typeface="Calibri"/>
-              </a:rPr>
-              <a:t> Spritzgießprozesses und von Methoden zur modellbasierten Optimierung der Bauteilgüte.</a:t>
+              <a:t>Modellvorstellung des Spritzgießprozesses: Zwei verbundene Druckkammern </a:t>
             </a:r>
             <a:endParaRPr lang="de-DE" sz="1800" b="1" strike="noStrike" spc="-1" dirty="0">
               <a:solidFill>
@@ -12075,6 +12073,1082 @@
           </a:p>
         </p:txBody>
       </p:sp>
+      <mc:AlternateContent xmlns:mc="http://schemas.openxmlformats.org/markup-compatibility/2006">
+        <mc:Choice xmlns:a14="http://schemas.microsoft.com/office/drawing/2010/main" Requires="a14">
+          <p:sp>
+            <p:nvSpPr>
+              <p:cNvPr id="66" name="Google Shape;100;p14">
+                <a:extLst>
+                  <a:ext uri="{FF2B5EF4-FFF2-40B4-BE49-F238E27FC236}">
+                    <a16:creationId xmlns:a16="http://schemas.microsoft.com/office/drawing/2014/main" id="{AA80299E-B889-4B63-ABDB-5E2BC5ADE05C}"/>
+                  </a:ext>
+                </a:extLst>
+              </p:cNvPr>
+              <p:cNvSpPr txBox="1"/>
+              <p:nvPr/>
+            </p:nvSpPr>
+            <p:spPr>
+              <a:xfrm>
+                <a:off x="865627" y="3270673"/>
+                <a:ext cx="748076" cy="1293082"/>
+              </a:xfrm>
+              <a:prstGeom prst="rect">
+                <a:avLst/>
+              </a:prstGeom>
+              <a:noFill/>
+              <a:ln>
+                <a:noFill/>
+              </a:ln>
+            </p:spPr>
+            <p:txBody>
+              <a:bodyPr spcFirstLastPara="1" wrap="square" lIns="0" tIns="0" rIns="0" bIns="0" anchor="t" anchorCtr="0">
+                <a:noAutofit/>
+              </a:bodyPr>
+              <a:lstStyle/>
+              <a:p>
+                <a:pPr>
+                  <a:spcBef>
+                    <a:spcPts val="0"/>
+                  </a:spcBef>
+                  <a:spcAft>
+                    <a:spcPts val="0"/>
+                  </a:spcAft>
+                </a:pPr>
+                <a14:m>
+                  <m:oMathPara xmlns:m="http://schemas.openxmlformats.org/officeDocument/2006/math">
+                    <m:oMathParaPr>
+                      <m:jc m:val="left"/>
+                    </m:oMathParaPr>
+                    <m:oMath xmlns:m="http://schemas.openxmlformats.org/officeDocument/2006/math">
+                      <m:r>
+                        <a:rPr lang="de-DE" sz="1333" b="1" i="1" smtClean="0">
+                          <a:latin typeface="Cambria Math" panose="02040503050406030204" pitchFamily="18" charset="0"/>
+                          <a:cs typeface="Calibri" panose="020F0502020204030204" pitchFamily="34" charset="0"/>
+                        </a:rPr>
+                        <m:t>𝒙</m:t>
+                      </m:r>
+                      <m:r>
+                        <a:rPr lang="de-DE" sz="1333" b="1" i="1" smtClean="0">
+                          <a:latin typeface="Cambria Math" panose="02040503050406030204" pitchFamily="18" charset="0"/>
+                          <a:cs typeface="Calibri" panose="020F0502020204030204" pitchFamily="34" charset="0"/>
+                        </a:rPr>
+                        <m:t>(</m:t>
+                      </m:r>
+                      <m:r>
+                        <a:rPr lang="de-DE" sz="1333" b="1" i="1" smtClean="0">
+                          <a:latin typeface="Cambria Math" panose="02040503050406030204" pitchFamily="18" charset="0"/>
+                          <a:cs typeface="Calibri" panose="020F0502020204030204" pitchFamily="34" charset="0"/>
+                        </a:rPr>
+                        <m:t>𝒕</m:t>
+                      </m:r>
+                      <m:r>
+                        <a:rPr lang="de-DE" sz="1333" b="1" i="1" smtClean="0">
+                          <a:latin typeface="Cambria Math" panose="02040503050406030204" pitchFamily="18" charset="0"/>
+                          <a:cs typeface="Calibri" panose="020F0502020204030204" pitchFamily="34" charset="0"/>
+                        </a:rPr>
+                        <m:t>)</m:t>
+                      </m:r>
+                    </m:oMath>
+                  </m:oMathPara>
+                </a14:m>
+                <a:endParaRPr lang="de-DE" sz="1333" b="1" dirty="0">
+                  <a:latin typeface="Calibri" panose="020F0502020204030204" pitchFamily="34" charset="0"/>
+                  <a:cs typeface="Calibri" panose="020F0502020204030204" pitchFamily="34" charset="0"/>
+                </a:endParaRPr>
+              </a:p>
+              <a:p>
+                <a:pPr>
+                  <a:spcBef>
+                    <a:spcPts val="0"/>
+                  </a:spcBef>
+                  <a:spcAft>
+                    <a:spcPts val="0"/>
+                  </a:spcAft>
+                </a:pPr>
+                <a14:m>
+                  <m:oMathPara xmlns:m="http://schemas.openxmlformats.org/officeDocument/2006/math">
+                    <m:oMathParaPr>
+                      <m:jc m:val="left"/>
+                    </m:oMathParaPr>
+                    <m:oMath xmlns:m="http://schemas.openxmlformats.org/officeDocument/2006/math">
+                      <m:acc>
+                        <m:accPr>
+                          <m:chr m:val="̇"/>
+                          <m:ctrlPr>
+                            <a:rPr lang="de-DE" sz="1333" b="1" i="1" smtClean="0">
+                              <a:latin typeface="Cambria Math" panose="02040503050406030204" pitchFamily="18" charset="0"/>
+                              <a:cs typeface="Calibri" panose="020F0502020204030204" pitchFamily="34" charset="0"/>
+                            </a:rPr>
+                          </m:ctrlPr>
+                        </m:accPr>
+                        <m:e>
+                          <m:r>
+                            <a:rPr lang="de-DE" sz="1333" b="1" i="1" smtClean="0">
+                              <a:latin typeface="Cambria Math" panose="02040503050406030204" pitchFamily="18" charset="0"/>
+                              <a:cs typeface="Calibri" panose="020F0502020204030204" pitchFamily="34" charset="0"/>
+                            </a:rPr>
+                            <m:t>𝒙</m:t>
+                          </m:r>
+                        </m:e>
+                      </m:acc>
+                      <m:r>
+                        <a:rPr lang="de-DE" sz="1333" b="1" i="1" smtClean="0">
+                          <a:latin typeface="Cambria Math" panose="02040503050406030204" pitchFamily="18" charset="0"/>
+                          <a:cs typeface="Calibri" panose="020F0502020204030204" pitchFamily="34" charset="0"/>
+                        </a:rPr>
+                        <m:t>(</m:t>
+                      </m:r>
+                      <m:r>
+                        <a:rPr lang="de-DE" sz="1333" b="1" i="1" smtClean="0">
+                          <a:latin typeface="Cambria Math" panose="02040503050406030204" pitchFamily="18" charset="0"/>
+                          <a:cs typeface="Calibri" panose="020F0502020204030204" pitchFamily="34" charset="0"/>
+                        </a:rPr>
+                        <m:t>𝒕</m:t>
+                      </m:r>
+                      <m:r>
+                        <a:rPr lang="de-DE" sz="1333" b="1" i="1" smtClean="0">
+                          <a:latin typeface="Cambria Math" panose="02040503050406030204" pitchFamily="18" charset="0"/>
+                          <a:cs typeface="Calibri" panose="020F0502020204030204" pitchFamily="34" charset="0"/>
+                        </a:rPr>
+                        <m:t>)</m:t>
+                      </m:r>
+                    </m:oMath>
+                  </m:oMathPara>
+                </a14:m>
+                <a:endParaRPr lang="de-DE" sz="1333" b="1" dirty="0">
+                  <a:latin typeface="Calibri" panose="020F0502020204030204" pitchFamily="34" charset="0"/>
+                  <a:cs typeface="Calibri" panose="020F0502020204030204" pitchFamily="34" charset="0"/>
+                </a:endParaRPr>
+              </a:p>
+              <a:p>
+                <a:pPr>
+                  <a:spcBef>
+                    <a:spcPts val="0"/>
+                  </a:spcBef>
+                  <a:spcAft>
+                    <a:spcPts val="0"/>
+                  </a:spcAft>
+                </a:pPr>
+                <a14:m>
+                  <m:oMathPara xmlns:m="http://schemas.openxmlformats.org/officeDocument/2006/math">
+                    <m:oMathParaPr>
+                      <m:jc m:val="left"/>
+                    </m:oMathParaPr>
+                    <m:oMath xmlns:m="http://schemas.openxmlformats.org/officeDocument/2006/math">
+                      <m:sSub>
+                        <m:sSubPr>
+                          <m:ctrlPr>
+                            <a:rPr lang="de-DE" sz="1333" b="1" i="1" smtClean="0">
+                              <a:latin typeface="Cambria Math" panose="02040503050406030204" pitchFamily="18" charset="0"/>
+                              <a:cs typeface="Calibri" panose="020F0502020204030204" pitchFamily="34" charset="0"/>
+                            </a:rPr>
+                          </m:ctrlPr>
+                        </m:sSubPr>
+                        <m:e>
+                          <m:r>
+                            <a:rPr lang="de-DE" sz="1333" b="1" i="1" smtClean="0">
+                              <a:latin typeface="Cambria Math" panose="02040503050406030204" pitchFamily="18" charset="0"/>
+                              <a:cs typeface="Calibri" panose="020F0502020204030204" pitchFamily="34" charset="0"/>
+                            </a:rPr>
+                            <m:t>𝒑</m:t>
+                          </m:r>
+                        </m:e>
+                        <m:sub>
+                          <m:r>
+                            <a:rPr lang="de-DE" sz="1333" b="1" i="1" smtClean="0">
+                              <a:latin typeface="Cambria Math" panose="02040503050406030204" pitchFamily="18" charset="0"/>
+                              <a:cs typeface="Calibri" panose="020F0502020204030204" pitchFamily="34" charset="0"/>
+                            </a:rPr>
+                            <m:t>𝒉𝒚𝒅</m:t>
+                          </m:r>
+                        </m:sub>
+                      </m:sSub>
+                      <m:d>
+                        <m:dPr>
+                          <m:ctrlPr>
+                            <a:rPr lang="de-DE" sz="1333" b="1" i="1" smtClean="0">
+                              <a:latin typeface="Cambria Math" panose="02040503050406030204" pitchFamily="18" charset="0"/>
+                              <a:cs typeface="Calibri" panose="020F0502020204030204" pitchFamily="34" charset="0"/>
+                            </a:rPr>
+                          </m:ctrlPr>
+                        </m:dPr>
+                        <m:e>
+                          <m:r>
+                            <a:rPr lang="de-DE" sz="1333" b="1" i="1" smtClean="0">
+                              <a:latin typeface="Cambria Math" panose="02040503050406030204" pitchFamily="18" charset="0"/>
+                              <a:cs typeface="Calibri" panose="020F0502020204030204" pitchFamily="34" charset="0"/>
+                            </a:rPr>
+                            <m:t>𝒕</m:t>
+                          </m:r>
+                        </m:e>
+                      </m:d>
+                    </m:oMath>
+                  </m:oMathPara>
+                </a14:m>
+                <a:endParaRPr lang="de-DE" sz="1333" b="1" dirty="0">
+                  <a:latin typeface="Calibri" panose="020F0502020204030204" pitchFamily="34" charset="0"/>
+                  <a:cs typeface="Calibri" panose="020F0502020204030204" pitchFamily="34" charset="0"/>
+                </a:endParaRPr>
+              </a:p>
+              <a:p>
+                <a:pPr>
+                  <a:spcBef>
+                    <a:spcPts val="0"/>
+                  </a:spcBef>
+                  <a:spcAft>
+                    <a:spcPts val="0"/>
+                  </a:spcAft>
+                </a:pPr>
+                <a14:m>
+                  <m:oMathPara xmlns:m="http://schemas.openxmlformats.org/officeDocument/2006/math">
+                    <m:oMathParaPr>
+                      <m:jc m:val="left"/>
+                    </m:oMathParaPr>
+                    <m:oMath xmlns:m="http://schemas.openxmlformats.org/officeDocument/2006/math">
+                      <m:sSub>
+                        <m:sSubPr>
+                          <m:ctrlPr>
+                            <a:rPr lang="de-DE" sz="1333" b="1" i="1" smtClean="0">
+                              <a:latin typeface="Cambria Math" panose="02040503050406030204" pitchFamily="18" charset="0"/>
+                              <a:cs typeface="Calibri" panose="020F0502020204030204" pitchFamily="34" charset="0"/>
+                            </a:rPr>
+                          </m:ctrlPr>
+                        </m:sSubPr>
+                        <m:e>
+                          <m:r>
+                            <a:rPr lang="de-DE" sz="1333" b="1" i="1" smtClean="0">
+                              <a:latin typeface="Cambria Math" panose="02040503050406030204" pitchFamily="18" charset="0"/>
+                              <a:cs typeface="Calibri" panose="020F0502020204030204" pitchFamily="34" charset="0"/>
+                            </a:rPr>
+                            <m:t>𝑻</m:t>
+                          </m:r>
+                        </m:e>
+                        <m:sub>
+                          <m:r>
+                            <a:rPr lang="de-DE" sz="1333" b="1" i="1" smtClean="0">
+                              <a:latin typeface="Cambria Math" panose="02040503050406030204" pitchFamily="18" charset="0"/>
+                              <a:cs typeface="Calibri" panose="020F0502020204030204" pitchFamily="34" charset="0"/>
+                            </a:rPr>
+                            <m:t>𝒁𝒚𝒍</m:t>
+                          </m:r>
+                        </m:sub>
+                      </m:sSub>
+                      <m:r>
+                        <a:rPr lang="de-DE" sz="1333" b="1" i="1" smtClean="0">
+                          <a:latin typeface="Cambria Math" panose="02040503050406030204" pitchFamily="18" charset="0"/>
+                          <a:cs typeface="Calibri" panose="020F0502020204030204" pitchFamily="34" charset="0"/>
+                        </a:rPr>
+                        <m:t>(</m:t>
+                      </m:r>
+                      <m:r>
+                        <a:rPr lang="de-DE" sz="1333" b="1" i="1" smtClean="0">
+                          <a:latin typeface="Cambria Math" panose="02040503050406030204" pitchFamily="18" charset="0"/>
+                          <a:cs typeface="Calibri" panose="020F0502020204030204" pitchFamily="34" charset="0"/>
+                        </a:rPr>
+                        <m:t>𝒕</m:t>
+                      </m:r>
+                      <m:r>
+                        <a:rPr lang="de-DE" sz="1333" b="1" i="1" smtClean="0">
+                          <a:latin typeface="Cambria Math" panose="02040503050406030204" pitchFamily="18" charset="0"/>
+                          <a:cs typeface="Calibri" panose="020F0502020204030204" pitchFamily="34" charset="0"/>
+                        </a:rPr>
+                        <m:t>)</m:t>
+                      </m:r>
+                    </m:oMath>
+                  </m:oMathPara>
+                </a14:m>
+                <a:endParaRPr lang="de-DE" sz="1333" b="1" dirty="0">
+                  <a:latin typeface="Calibri" panose="020F0502020204030204" pitchFamily="34" charset="0"/>
+                  <a:cs typeface="Calibri" panose="020F0502020204030204" pitchFamily="34" charset="0"/>
+                </a:endParaRPr>
+              </a:p>
+              <a:p>
+                <a:pPr>
+                  <a:spcBef>
+                    <a:spcPts val="0"/>
+                  </a:spcBef>
+                  <a:spcAft>
+                    <a:spcPts val="0"/>
+                  </a:spcAft>
+                </a:pPr>
+                <a14:m>
+                  <m:oMathPara xmlns:m="http://schemas.openxmlformats.org/officeDocument/2006/math">
+                    <m:oMathParaPr>
+                      <m:jc m:val="left"/>
+                    </m:oMathParaPr>
+                    <m:oMath xmlns:m="http://schemas.openxmlformats.org/officeDocument/2006/math">
+                      <m:sSub>
+                        <m:sSubPr>
+                          <m:ctrlPr>
+                            <a:rPr lang="de-DE" sz="1333" b="1" i="1" smtClean="0">
+                              <a:latin typeface="Cambria Math" panose="02040503050406030204" pitchFamily="18" charset="0"/>
+                              <a:cs typeface="Calibri" panose="020F0502020204030204" pitchFamily="34" charset="0"/>
+                            </a:rPr>
+                          </m:ctrlPr>
+                        </m:sSubPr>
+                        <m:e>
+                          <m:r>
+                            <a:rPr lang="de-DE" sz="1333" b="1" i="1" smtClean="0">
+                              <a:latin typeface="Cambria Math" panose="02040503050406030204" pitchFamily="18" charset="0"/>
+                              <a:cs typeface="Calibri" panose="020F0502020204030204" pitchFamily="34" charset="0"/>
+                            </a:rPr>
+                            <m:t>𝒑</m:t>
+                          </m:r>
+                        </m:e>
+                        <m:sub>
+                          <m:r>
+                            <a:rPr lang="de-DE" sz="1333" b="1" i="1" smtClean="0">
+                              <a:latin typeface="Cambria Math" panose="02040503050406030204" pitchFamily="18" charset="0"/>
+                              <a:cs typeface="Calibri" panose="020F0502020204030204" pitchFamily="34" charset="0"/>
+                            </a:rPr>
+                            <m:t>𝒄𝒂𝒗</m:t>
+                          </m:r>
+                        </m:sub>
+                      </m:sSub>
+                      <m:r>
+                        <a:rPr lang="de-DE" sz="1333" b="1" i="1" smtClean="0">
+                          <a:latin typeface="Cambria Math" panose="02040503050406030204" pitchFamily="18" charset="0"/>
+                          <a:cs typeface="Calibri" panose="020F0502020204030204" pitchFamily="34" charset="0"/>
+                        </a:rPr>
+                        <m:t>(</m:t>
+                      </m:r>
+                      <m:r>
+                        <a:rPr lang="de-DE" sz="1333" b="1" i="1" smtClean="0">
+                          <a:latin typeface="Cambria Math" panose="02040503050406030204" pitchFamily="18" charset="0"/>
+                          <a:cs typeface="Calibri" panose="020F0502020204030204" pitchFamily="34" charset="0"/>
+                        </a:rPr>
+                        <m:t>𝒕</m:t>
+                      </m:r>
+                      <m:r>
+                        <a:rPr lang="de-DE" sz="1333" b="1" i="1" smtClean="0">
+                          <a:latin typeface="Cambria Math" panose="02040503050406030204" pitchFamily="18" charset="0"/>
+                          <a:cs typeface="Calibri" panose="020F0502020204030204" pitchFamily="34" charset="0"/>
+                        </a:rPr>
+                        <m:t>)</m:t>
+                      </m:r>
+                    </m:oMath>
+                  </m:oMathPara>
+                </a14:m>
+                <a:endParaRPr lang="de-DE" sz="1333" b="1" dirty="0">
+                  <a:latin typeface="Calibri" panose="020F0502020204030204" pitchFamily="34" charset="0"/>
+                  <a:cs typeface="Calibri" panose="020F0502020204030204" pitchFamily="34" charset="0"/>
+                </a:endParaRPr>
+              </a:p>
+              <a:p>
+                <a:pPr>
+                  <a:spcBef>
+                    <a:spcPts val="0"/>
+                  </a:spcBef>
+                  <a:spcAft>
+                    <a:spcPts val="0"/>
+                  </a:spcAft>
+                </a:pPr>
+                <a14:m>
+                  <m:oMathPara xmlns:m="http://schemas.openxmlformats.org/officeDocument/2006/math">
+                    <m:oMathParaPr>
+                      <m:jc m:val="left"/>
+                    </m:oMathParaPr>
+                    <m:oMath xmlns:m="http://schemas.openxmlformats.org/officeDocument/2006/math">
+                      <m:sSub>
+                        <m:sSubPr>
+                          <m:ctrlPr>
+                            <a:rPr lang="de-DE" sz="1333" b="1" i="1" smtClean="0">
+                              <a:latin typeface="Cambria Math" panose="02040503050406030204" pitchFamily="18" charset="0"/>
+                              <a:cs typeface="Calibri" panose="020F0502020204030204" pitchFamily="34" charset="0"/>
+                            </a:rPr>
+                          </m:ctrlPr>
+                        </m:sSubPr>
+                        <m:e>
+                          <m:r>
+                            <a:rPr lang="de-DE" sz="1333" b="1" i="1" smtClean="0">
+                              <a:latin typeface="Cambria Math" panose="02040503050406030204" pitchFamily="18" charset="0"/>
+                              <a:cs typeface="Calibri" panose="020F0502020204030204" pitchFamily="34" charset="0"/>
+                            </a:rPr>
+                            <m:t>𝑻</m:t>
+                          </m:r>
+                        </m:e>
+                        <m:sub>
+                          <m:r>
+                            <a:rPr lang="de-DE" sz="1333" b="1" i="1" smtClean="0">
+                              <a:latin typeface="Cambria Math" panose="02040503050406030204" pitchFamily="18" charset="0"/>
+                              <a:cs typeface="Calibri" panose="020F0502020204030204" pitchFamily="34" charset="0"/>
+                            </a:rPr>
+                            <m:t>𝒄𝒂𝒗</m:t>
+                          </m:r>
+                        </m:sub>
+                      </m:sSub>
+                      <m:r>
+                        <a:rPr lang="de-DE" sz="1333" b="1" i="1" smtClean="0">
+                          <a:latin typeface="Cambria Math" panose="02040503050406030204" pitchFamily="18" charset="0"/>
+                          <a:cs typeface="Calibri" panose="020F0502020204030204" pitchFamily="34" charset="0"/>
+                        </a:rPr>
+                        <m:t>(</m:t>
+                      </m:r>
+                      <m:r>
+                        <a:rPr lang="de-DE" sz="1333" b="1" i="1" smtClean="0">
+                          <a:latin typeface="Cambria Math" panose="02040503050406030204" pitchFamily="18" charset="0"/>
+                          <a:cs typeface="Calibri" panose="020F0502020204030204" pitchFamily="34" charset="0"/>
+                        </a:rPr>
+                        <m:t>𝒕</m:t>
+                      </m:r>
+                      <m:r>
+                        <a:rPr lang="de-DE" sz="1333" b="1" i="1" smtClean="0">
+                          <a:latin typeface="Cambria Math" panose="02040503050406030204" pitchFamily="18" charset="0"/>
+                          <a:cs typeface="Calibri" panose="020F0502020204030204" pitchFamily="34" charset="0"/>
+                        </a:rPr>
+                        <m:t>)</m:t>
+                      </m:r>
+                    </m:oMath>
+                  </m:oMathPara>
+                </a14:m>
+                <a:endParaRPr lang="de-DE" sz="1333" b="1" dirty="0">
+                  <a:latin typeface="Calibri" panose="020F0502020204030204" pitchFamily="34" charset="0"/>
+                  <a:cs typeface="Calibri" panose="020F0502020204030204" pitchFamily="34" charset="0"/>
+                </a:endParaRPr>
+              </a:p>
+              <a:p>
+                <a:pPr>
+                  <a:spcBef>
+                    <a:spcPts val="0"/>
+                  </a:spcBef>
+                  <a:spcAft>
+                    <a:spcPts val="0"/>
+                  </a:spcAft>
+                </a:pPr>
+                <a:endParaRPr lang="de-DE" sz="1333" b="1" dirty="0">
+                  <a:latin typeface="Calibri" panose="020F0502020204030204" pitchFamily="34" charset="0"/>
+                  <a:cs typeface="Calibri" panose="020F0502020204030204" pitchFamily="34" charset="0"/>
+                </a:endParaRPr>
+              </a:p>
+              <a:p>
+                <a:pPr>
+                  <a:spcBef>
+                    <a:spcPts val="0"/>
+                  </a:spcBef>
+                  <a:spcAft>
+                    <a:spcPts val="0"/>
+                  </a:spcAft>
+                </a:pPr>
+                <a:endParaRPr sz="1333" b="1" dirty="0">
+                  <a:latin typeface="Calibri" panose="020F0502020204030204" pitchFamily="34" charset="0"/>
+                  <a:cs typeface="Calibri" panose="020F0502020204030204" pitchFamily="34" charset="0"/>
+                </a:endParaRPr>
+              </a:p>
+            </p:txBody>
+          </p:sp>
+        </mc:Choice>
+        <mc:Fallback>
+          <p:sp>
+            <p:nvSpPr>
+              <p:cNvPr id="66" name="Google Shape;100;p14">
+                <a:extLst>
+                  <a:ext uri="{FF2B5EF4-FFF2-40B4-BE49-F238E27FC236}">
+                    <a16:creationId xmlns:a16="http://schemas.microsoft.com/office/drawing/2014/main" id="{AA80299E-B889-4B63-ABDB-5E2BC5ADE05C}"/>
+                  </a:ext>
+                </a:extLst>
+              </p:cNvPr>
+              <p:cNvSpPr txBox="1">
+                <a:spLocks noRot="1" noChangeAspect="1" noMove="1" noResize="1" noEditPoints="1" noAdjustHandles="1" noChangeArrowheads="1" noChangeShapeType="1" noTextEdit="1"/>
+              </p:cNvSpPr>
+              <p:nvPr/>
+            </p:nvSpPr>
+            <p:spPr>
+              <a:xfrm>
+                <a:off x="865627" y="3270673"/>
+                <a:ext cx="748076" cy="1293082"/>
+              </a:xfrm>
+              <a:prstGeom prst="rect">
+                <a:avLst/>
+              </a:prstGeom>
+              <a:blipFill>
+                <a:blip r:embed="rId3"/>
+                <a:stretch>
+                  <a:fillRect l="-8130" t="-472" b="-2830"/>
+                </a:stretch>
+              </a:blipFill>
+              <a:ln>
+                <a:noFill/>
+              </a:ln>
+            </p:spPr>
+            <p:txBody>
+              <a:bodyPr/>
+              <a:lstStyle/>
+              <a:p>
+                <a:r>
+                  <a:rPr lang="de-DE">
+                    <a:noFill/>
+                  </a:rPr>
+                  <a:t> </a:t>
+                </a:r>
+              </a:p>
+            </p:txBody>
+          </p:sp>
+        </mc:Fallback>
+      </mc:AlternateContent>
+      <p:sp>
+        <p:nvSpPr>
+          <p:cNvPr id="2" name="Bogen 1">
+            <a:extLst>
+              <a:ext uri="{FF2B5EF4-FFF2-40B4-BE49-F238E27FC236}">
+                <a16:creationId xmlns:a16="http://schemas.microsoft.com/office/drawing/2014/main" id="{29D39279-6C1D-4C02-B3B2-20ECFE1AD47F}"/>
+              </a:ext>
+            </a:extLst>
+          </p:cNvPr>
+          <p:cNvSpPr/>
+          <p:nvPr/>
+        </p:nvSpPr>
+        <p:spPr>
+          <a:xfrm rot="18163576">
+            <a:off x="4899119" y="1385018"/>
+            <a:ext cx="1718171" cy="1687932"/>
+          </a:xfrm>
+          <a:prstGeom prst="arc">
+            <a:avLst>
+              <a:gd name="adj1" fmla="val 16052391"/>
+              <a:gd name="adj2" fmla="val 19372783"/>
+            </a:avLst>
+          </a:prstGeom>
+          <a:ln w="19050">
+            <a:solidFill>
+              <a:schemeClr val="tx1"/>
+            </a:solidFill>
+          </a:ln>
+        </p:spPr>
+        <p:style>
+          <a:lnRef idx="1">
+            <a:schemeClr val="accent1"/>
+          </a:lnRef>
+          <a:fillRef idx="0">
+            <a:schemeClr val="accent1"/>
+          </a:fillRef>
+          <a:effectRef idx="0">
+            <a:schemeClr val="accent1"/>
+          </a:effectRef>
+          <a:fontRef idx="minor">
+            <a:schemeClr val="tx1"/>
+          </a:fontRef>
+        </p:style>
+        <p:txBody>
+          <a:bodyPr rtlCol="0" anchor="ctr"/>
+          <a:lstStyle/>
+          <a:p>
+            <a:pPr algn="ctr"/>
+            <a:endParaRPr lang="de-DE" dirty="0"/>
+          </a:p>
+        </p:txBody>
+      </p:sp>
+      <mc:AlternateContent xmlns:mc="http://schemas.openxmlformats.org/markup-compatibility/2006">
+        <mc:Choice xmlns:a14="http://schemas.microsoft.com/office/drawing/2010/main" Requires="a14">
+          <p:sp>
+            <p:nvSpPr>
+              <p:cNvPr id="68" name="Google Shape;100;p14">
+                <a:extLst>
+                  <a:ext uri="{FF2B5EF4-FFF2-40B4-BE49-F238E27FC236}">
+                    <a16:creationId xmlns:a16="http://schemas.microsoft.com/office/drawing/2014/main" id="{7B08BA1A-CB16-4E15-B661-B4061A8B8412}"/>
+                  </a:ext>
+                </a:extLst>
+              </p:cNvPr>
+              <p:cNvSpPr txBox="1"/>
+              <p:nvPr/>
+            </p:nvSpPr>
+            <p:spPr>
+              <a:xfrm>
+                <a:off x="1699162" y="3423073"/>
+                <a:ext cx="748076" cy="1293082"/>
+              </a:xfrm>
+              <a:prstGeom prst="rect">
+                <a:avLst/>
+              </a:prstGeom>
+              <a:noFill/>
+              <a:ln>
+                <a:noFill/>
+              </a:ln>
+            </p:spPr>
+            <p:txBody>
+              <a:bodyPr spcFirstLastPara="1" wrap="square" lIns="0" tIns="0" rIns="0" bIns="0" anchor="t" anchorCtr="0">
+                <a:noAutofit/>
+              </a:bodyPr>
+              <a:lstStyle/>
+              <a:p>
+                <a:pPr>
+                  <a:spcBef>
+                    <a:spcPts val="0"/>
+                  </a:spcBef>
+                  <a:spcAft>
+                    <a:spcPts val="0"/>
+                  </a:spcAft>
+                </a:pPr>
+                <a14:m>
+                  <m:oMathPara xmlns:m="http://schemas.openxmlformats.org/officeDocument/2006/math">
+                    <m:oMathParaPr>
+                      <m:jc m:val="left"/>
+                    </m:oMathParaPr>
+                    <m:oMath xmlns:m="http://schemas.openxmlformats.org/officeDocument/2006/math">
+                      <m:r>
+                        <a:rPr lang="de-DE" sz="1333" b="1" i="1" smtClean="0">
+                          <a:latin typeface="Cambria Math" panose="02040503050406030204" pitchFamily="18" charset="0"/>
+                          <a:cs typeface="Calibri" panose="020F0502020204030204" pitchFamily="34" charset="0"/>
+                        </a:rPr>
+                        <m:t>𝒙</m:t>
+                      </m:r>
+                      <m:r>
+                        <a:rPr lang="de-DE" sz="1333" b="1" i="1" smtClean="0">
+                          <a:latin typeface="Cambria Math" panose="02040503050406030204" pitchFamily="18" charset="0"/>
+                          <a:cs typeface="Calibri" panose="020F0502020204030204" pitchFamily="34" charset="0"/>
+                        </a:rPr>
+                        <m:t>(</m:t>
+                      </m:r>
+                      <m:r>
+                        <a:rPr lang="de-DE" sz="1333" b="1" i="1" smtClean="0">
+                          <a:latin typeface="Cambria Math" panose="02040503050406030204" pitchFamily="18" charset="0"/>
+                          <a:cs typeface="Calibri" panose="020F0502020204030204" pitchFamily="34" charset="0"/>
+                        </a:rPr>
+                        <m:t>𝒕</m:t>
+                      </m:r>
+                      <m:r>
+                        <a:rPr lang="de-DE" sz="1333" b="1" i="1" smtClean="0">
+                          <a:latin typeface="Cambria Math" panose="02040503050406030204" pitchFamily="18" charset="0"/>
+                          <a:cs typeface="Calibri" panose="020F0502020204030204" pitchFamily="34" charset="0"/>
+                        </a:rPr>
+                        <m:t>)</m:t>
+                      </m:r>
+                    </m:oMath>
+                  </m:oMathPara>
+                </a14:m>
+                <a:endParaRPr lang="de-DE" sz="1333" b="1" dirty="0">
+                  <a:latin typeface="Calibri" panose="020F0502020204030204" pitchFamily="34" charset="0"/>
+                  <a:cs typeface="Calibri" panose="020F0502020204030204" pitchFamily="34" charset="0"/>
+                </a:endParaRPr>
+              </a:p>
+              <a:p>
+                <a:pPr>
+                  <a:spcBef>
+                    <a:spcPts val="0"/>
+                  </a:spcBef>
+                  <a:spcAft>
+                    <a:spcPts val="0"/>
+                  </a:spcAft>
+                </a:pPr>
+                <a14:m>
+                  <m:oMathPara xmlns:m="http://schemas.openxmlformats.org/officeDocument/2006/math">
+                    <m:oMathParaPr>
+                      <m:jc m:val="left"/>
+                    </m:oMathParaPr>
+                    <m:oMath xmlns:m="http://schemas.openxmlformats.org/officeDocument/2006/math">
+                      <m:acc>
+                        <m:accPr>
+                          <m:chr m:val="̇"/>
+                          <m:ctrlPr>
+                            <a:rPr lang="de-DE" sz="1333" b="1" i="1" smtClean="0">
+                              <a:latin typeface="Cambria Math" panose="02040503050406030204" pitchFamily="18" charset="0"/>
+                              <a:cs typeface="Calibri" panose="020F0502020204030204" pitchFamily="34" charset="0"/>
+                            </a:rPr>
+                          </m:ctrlPr>
+                        </m:accPr>
+                        <m:e>
+                          <m:r>
+                            <a:rPr lang="de-DE" sz="1333" b="1" i="1" smtClean="0">
+                              <a:latin typeface="Cambria Math" panose="02040503050406030204" pitchFamily="18" charset="0"/>
+                              <a:cs typeface="Calibri" panose="020F0502020204030204" pitchFamily="34" charset="0"/>
+                            </a:rPr>
+                            <m:t>𝒙</m:t>
+                          </m:r>
+                        </m:e>
+                      </m:acc>
+                      <m:r>
+                        <a:rPr lang="de-DE" sz="1333" b="1" i="1" smtClean="0">
+                          <a:latin typeface="Cambria Math" panose="02040503050406030204" pitchFamily="18" charset="0"/>
+                          <a:cs typeface="Calibri" panose="020F0502020204030204" pitchFamily="34" charset="0"/>
+                        </a:rPr>
+                        <m:t>(</m:t>
+                      </m:r>
+                      <m:r>
+                        <a:rPr lang="de-DE" sz="1333" b="1" i="1" smtClean="0">
+                          <a:latin typeface="Cambria Math" panose="02040503050406030204" pitchFamily="18" charset="0"/>
+                          <a:cs typeface="Calibri" panose="020F0502020204030204" pitchFamily="34" charset="0"/>
+                        </a:rPr>
+                        <m:t>𝒕</m:t>
+                      </m:r>
+                      <m:r>
+                        <a:rPr lang="de-DE" sz="1333" b="1" i="1" smtClean="0">
+                          <a:latin typeface="Cambria Math" panose="02040503050406030204" pitchFamily="18" charset="0"/>
+                          <a:cs typeface="Calibri" panose="020F0502020204030204" pitchFamily="34" charset="0"/>
+                        </a:rPr>
+                        <m:t>)</m:t>
+                      </m:r>
+                    </m:oMath>
+                  </m:oMathPara>
+                </a14:m>
+                <a:endParaRPr lang="de-DE" sz="1333" b="1" dirty="0">
+                  <a:latin typeface="Calibri" panose="020F0502020204030204" pitchFamily="34" charset="0"/>
+                  <a:cs typeface="Calibri" panose="020F0502020204030204" pitchFamily="34" charset="0"/>
+                </a:endParaRPr>
+              </a:p>
+              <a:p>
+                <a:pPr>
+                  <a:spcBef>
+                    <a:spcPts val="0"/>
+                  </a:spcBef>
+                  <a:spcAft>
+                    <a:spcPts val="0"/>
+                  </a:spcAft>
+                </a:pPr>
+                <a14:m>
+                  <m:oMathPara xmlns:m="http://schemas.openxmlformats.org/officeDocument/2006/math">
+                    <m:oMathParaPr>
+                      <m:jc m:val="left"/>
+                    </m:oMathParaPr>
+                    <m:oMath xmlns:m="http://schemas.openxmlformats.org/officeDocument/2006/math">
+                      <m:sSub>
+                        <m:sSubPr>
+                          <m:ctrlPr>
+                            <a:rPr lang="de-DE" sz="1333" b="1" i="1" smtClean="0">
+                              <a:latin typeface="Cambria Math" panose="02040503050406030204" pitchFamily="18" charset="0"/>
+                              <a:cs typeface="Calibri" panose="020F0502020204030204" pitchFamily="34" charset="0"/>
+                            </a:rPr>
+                          </m:ctrlPr>
+                        </m:sSubPr>
+                        <m:e>
+                          <m:r>
+                            <a:rPr lang="de-DE" sz="1333" b="1" i="1" smtClean="0">
+                              <a:latin typeface="Cambria Math" panose="02040503050406030204" pitchFamily="18" charset="0"/>
+                              <a:cs typeface="Calibri" panose="020F0502020204030204" pitchFamily="34" charset="0"/>
+                            </a:rPr>
+                            <m:t>𝒑</m:t>
+                          </m:r>
+                        </m:e>
+                        <m:sub>
+                          <m:r>
+                            <a:rPr lang="de-DE" sz="1333" b="1" i="1" smtClean="0">
+                              <a:latin typeface="Cambria Math" panose="02040503050406030204" pitchFamily="18" charset="0"/>
+                              <a:cs typeface="Calibri" panose="020F0502020204030204" pitchFamily="34" charset="0"/>
+                            </a:rPr>
+                            <m:t>𝒉𝒚𝒅</m:t>
+                          </m:r>
+                        </m:sub>
+                      </m:sSub>
+                      <m:d>
+                        <m:dPr>
+                          <m:ctrlPr>
+                            <a:rPr lang="de-DE" sz="1333" b="1" i="1" smtClean="0">
+                              <a:latin typeface="Cambria Math" panose="02040503050406030204" pitchFamily="18" charset="0"/>
+                              <a:cs typeface="Calibri" panose="020F0502020204030204" pitchFamily="34" charset="0"/>
+                            </a:rPr>
+                          </m:ctrlPr>
+                        </m:dPr>
+                        <m:e>
+                          <m:r>
+                            <a:rPr lang="de-DE" sz="1333" b="1" i="1" smtClean="0">
+                              <a:latin typeface="Cambria Math" panose="02040503050406030204" pitchFamily="18" charset="0"/>
+                              <a:cs typeface="Calibri" panose="020F0502020204030204" pitchFamily="34" charset="0"/>
+                            </a:rPr>
+                            <m:t>𝒕</m:t>
+                          </m:r>
+                        </m:e>
+                      </m:d>
+                    </m:oMath>
+                  </m:oMathPara>
+                </a14:m>
+                <a:endParaRPr lang="de-DE" sz="1333" b="1" dirty="0">
+                  <a:latin typeface="Calibri" panose="020F0502020204030204" pitchFamily="34" charset="0"/>
+                  <a:cs typeface="Calibri" panose="020F0502020204030204" pitchFamily="34" charset="0"/>
+                </a:endParaRPr>
+              </a:p>
+              <a:p>
+                <a:pPr>
+                  <a:spcBef>
+                    <a:spcPts val="0"/>
+                  </a:spcBef>
+                  <a:spcAft>
+                    <a:spcPts val="0"/>
+                  </a:spcAft>
+                </a:pPr>
+                <a14:m>
+                  <m:oMathPara xmlns:m="http://schemas.openxmlformats.org/officeDocument/2006/math">
+                    <m:oMathParaPr>
+                      <m:jc m:val="left"/>
+                    </m:oMathParaPr>
+                    <m:oMath xmlns:m="http://schemas.openxmlformats.org/officeDocument/2006/math">
+                      <m:sSub>
+                        <m:sSubPr>
+                          <m:ctrlPr>
+                            <a:rPr lang="de-DE" sz="1333" b="1" i="1" smtClean="0">
+                              <a:latin typeface="Cambria Math" panose="02040503050406030204" pitchFamily="18" charset="0"/>
+                              <a:cs typeface="Calibri" panose="020F0502020204030204" pitchFamily="34" charset="0"/>
+                            </a:rPr>
+                          </m:ctrlPr>
+                        </m:sSubPr>
+                        <m:e>
+                          <m:r>
+                            <a:rPr lang="de-DE" sz="1333" b="1" i="1" smtClean="0">
+                              <a:latin typeface="Cambria Math" panose="02040503050406030204" pitchFamily="18" charset="0"/>
+                              <a:cs typeface="Calibri" panose="020F0502020204030204" pitchFamily="34" charset="0"/>
+                            </a:rPr>
+                            <m:t>𝑻</m:t>
+                          </m:r>
+                        </m:e>
+                        <m:sub>
+                          <m:r>
+                            <a:rPr lang="de-DE" sz="1333" b="1" i="1" smtClean="0">
+                              <a:latin typeface="Cambria Math" panose="02040503050406030204" pitchFamily="18" charset="0"/>
+                              <a:cs typeface="Calibri" panose="020F0502020204030204" pitchFamily="34" charset="0"/>
+                            </a:rPr>
+                            <m:t>𝒁𝒚𝒍</m:t>
+                          </m:r>
+                        </m:sub>
+                      </m:sSub>
+                      <m:r>
+                        <a:rPr lang="de-DE" sz="1333" b="1" i="1" smtClean="0">
+                          <a:latin typeface="Cambria Math" panose="02040503050406030204" pitchFamily="18" charset="0"/>
+                          <a:cs typeface="Calibri" panose="020F0502020204030204" pitchFamily="34" charset="0"/>
+                        </a:rPr>
+                        <m:t>(</m:t>
+                      </m:r>
+                      <m:r>
+                        <a:rPr lang="de-DE" sz="1333" b="1" i="1" smtClean="0">
+                          <a:latin typeface="Cambria Math" panose="02040503050406030204" pitchFamily="18" charset="0"/>
+                          <a:cs typeface="Calibri" panose="020F0502020204030204" pitchFamily="34" charset="0"/>
+                        </a:rPr>
+                        <m:t>𝒕</m:t>
+                      </m:r>
+                      <m:r>
+                        <a:rPr lang="de-DE" sz="1333" b="1" i="1" smtClean="0">
+                          <a:latin typeface="Cambria Math" panose="02040503050406030204" pitchFamily="18" charset="0"/>
+                          <a:cs typeface="Calibri" panose="020F0502020204030204" pitchFamily="34" charset="0"/>
+                        </a:rPr>
+                        <m:t>)</m:t>
+                      </m:r>
+                    </m:oMath>
+                  </m:oMathPara>
+                </a14:m>
+                <a:endParaRPr lang="de-DE" sz="1333" b="1" dirty="0">
+                  <a:latin typeface="Calibri" panose="020F0502020204030204" pitchFamily="34" charset="0"/>
+                  <a:cs typeface="Calibri" panose="020F0502020204030204" pitchFamily="34" charset="0"/>
+                </a:endParaRPr>
+              </a:p>
+              <a:p>
+                <a:pPr>
+                  <a:spcBef>
+                    <a:spcPts val="0"/>
+                  </a:spcBef>
+                  <a:spcAft>
+                    <a:spcPts val="0"/>
+                  </a:spcAft>
+                </a:pPr>
+                <a14:m>
+                  <m:oMathPara xmlns:m="http://schemas.openxmlformats.org/officeDocument/2006/math">
+                    <m:oMathParaPr>
+                      <m:jc m:val="left"/>
+                    </m:oMathParaPr>
+                    <m:oMath xmlns:m="http://schemas.openxmlformats.org/officeDocument/2006/math">
+                      <m:sSub>
+                        <m:sSubPr>
+                          <m:ctrlPr>
+                            <a:rPr lang="de-DE" sz="1333" b="1" i="1" smtClean="0">
+                              <a:latin typeface="Cambria Math" panose="02040503050406030204" pitchFamily="18" charset="0"/>
+                              <a:cs typeface="Calibri" panose="020F0502020204030204" pitchFamily="34" charset="0"/>
+                            </a:rPr>
+                          </m:ctrlPr>
+                        </m:sSubPr>
+                        <m:e>
+                          <m:r>
+                            <a:rPr lang="de-DE" sz="1333" b="1" i="1" smtClean="0">
+                              <a:latin typeface="Cambria Math" panose="02040503050406030204" pitchFamily="18" charset="0"/>
+                              <a:cs typeface="Calibri" panose="020F0502020204030204" pitchFamily="34" charset="0"/>
+                            </a:rPr>
+                            <m:t>𝒑</m:t>
+                          </m:r>
+                        </m:e>
+                        <m:sub>
+                          <m:r>
+                            <a:rPr lang="de-DE" sz="1333" b="1" i="1" smtClean="0">
+                              <a:latin typeface="Cambria Math" panose="02040503050406030204" pitchFamily="18" charset="0"/>
+                              <a:cs typeface="Calibri" panose="020F0502020204030204" pitchFamily="34" charset="0"/>
+                            </a:rPr>
+                            <m:t>𝒄𝒂𝒗</m:t>
+                          </m:r>
+                        </m:sub>
+                      </m:sSub>
+                      <m:r>
+                        <a:rPr lang="de-DE" sz="1333" b="1" i="1" smtClean="0">
+                          <a:latin typeface="Cambria Math" panose="02040503050406030204" pitchFamily="18" charset="0"/>
+                          <a:cs typeface="Calibri" panose="020F0502020204030204" pitchFamily="34" charset="0"/>
+                        </a:rPr>
+                        <m:t>(</m:t>
+                      </m:r>
+                      <m:r>
+                        <a:rPr lang="de-DE" sz="1333" b="1" i="1" smtClean="0">
+                          <a:latin typeface="Cambria Math" panose="02040503050406030204" pitchFamily="18" charset="0"/>
+                          <a:cs typeface="Calibri" panose="020F0502020204030204" pitchFamily="34" charset="0"/>
+                        </a:rPr>
+                        <m:t>𝒕</m:t>
+                      </m:r>
+                      <m:r>
+                        <a:rPr lang="de-DE" sz="1333" b="1" i="1" smtClean="0">
+                          <a:latin typeface="Cambria Math" panose="02040503050406030204" pitchFamily="18" charset="0"/>
+                          <a:cs typeface="Calibri" panose="020F0502020204030204" pitchFamily="34" charset="0"/>
+                        </a:rPr>
+                        <m:t>)</m:t>
+                      </m:r>
+                    </m:oMath>
+                  </m:oMathPara>
+                </a14:m>
+                <a:endParaRPr lang="de-DE" sz="1333" b="1" dirty="0">
+                  <a:latin typeface="Calibri" panose="020F0502020204030204" pitchFamily="34" charset="0"/>
+                  <a:cs typeface="Calibri" panose="020F0502020204030204" pitchFamily="34" charset="0"/>
+                </a:endParaRPr>
+              </a:p>
+              <a:p>
+                <a:pPr>
+                  <a:spcBef>
+                    <a:spcPts val="0"/>
+                  </a:spcBef>
+                  <a:spcAft>
+                    <a:spcPts val="0"/>
+                  </a:spcAft>
+                </a:pPr>
+                <a14:m>
+                  <m:oMathPara xmlns:m="http://schemas.openxmlformats.org/officeDocument/2006/math">
+                    <m:oMathParaPr>
+                      <m:jc m:val="left"/>
+                    </m:oMathParaPr>
+                    <m:oMath xmlns:m="http://schemas.openxmlformats.org/officeDocument/2006/math">
+                      <m:sSub>
+                        <m:sSubPr>
+                          <m:ctrlPr>
+                            <a:rPr lang="de-DE" sz="1333" b="1" i="1" smtClean="0">
+                              <a:latin typeface="Cambria Math" panose="02040503050406030204" pitchFamily="18" charset="0"/>
+                              <a:cs typeface="Calibri" panose="020F0502020204030204" pitchFamily="34" charset="0"/>
+                            </a:rPr>
+                          </m:ctrlPr>
+                        </m:sSubPr>
+                        <m:e>
+                          <m:r>
+                            <a:rPr lang="de-DE" sz="1333" b="1" i="1" smtClean="0">
+                              <a:latin typeface="Cambria Math" panose="02040503050406030204" pitchFamily="18" charset="0"/>
+                              <a:cs typeface="Calibri" panose="020F0502020204030204" pitchFamily="34" charset="0"/>
+                            </a:rPr>
+                            <m:t>𝑻</m:t>
+                          </m:r>
+                        </m:e>
+                        <m:sub>
+                          <m:r>
+                            <a:rPr lang="de-DE" sz="1333" b="1" i="1" smtClean="0">
+                              <a:latin typeface="Cambria Math" panose="02040503050406030204" pitchFamily="18" charset="0"/>
+                              <a:cs typeface="Calibri" panose="020F0502020204030204" pitchFamily="34" charset="0"/>
+                            </a:rPr>
+                            <m:t>𝒄𝒂𝒗</m:t>
+                          </m:r>
+                        </m:sub>
+                      </m:sSub>
+                      <m:r>
+                        <a:rPr lang="de-DE" sz="1333" b="1" i="1" smtClean="0">
+                          <a:latin typeface="Cambria Math" panose="02040503050406030204" pitchFamily="18" charset="0"/>
+                          <a:cs typeface="Calibri" panose="020F0502020204030204" pitchFamily="34" charset="0"/>
+                        </a:rPr>
+                        <m:t>(</m:t>
+                      </m:r>
+                      <m:r>
+                        <a:rPr lang="de-DE" sz="1333" b="1" i="1" smtClean="0">
+                          <a:latin typeface="Cambria Math" panose="02040503050406030204" pitchFamily="18" charset="0"/>
+                          <a:cs typeface="Calibri" panose="020F0502020204030204" pitchFamily="34" charset="0"/>
+                        </a:rPr>
+                        <m:t>𝒕</m:t>
+                      </m:r>
+                      <m:r>
+                        <a:rPr lang="de-DE" sz="1333" b="1" i="1" smtClean="0">
+                          <a:latin typeface="Cambria Math" panose="02040503050406030204" pitchFamily="18" charset="0"/>
+                          <a:cs typeface="Calibri" panose="020F0502020204030204" pitchFamily="34" charset="0"/>
+                        </a:rPr>
+                        <m:t>)</m:t>
+                      </m:r>
+                    </m:oMath>
+                  </m:oMathPara>
+                </a14:m>
+                <a:endParaRPr lang="de-DE" sz="1333" b="1" dirty="0">
+                  <a:latin typeface="Calibri" panose="020F0502020204030204" pitchFamily="34" charset="0"/>
+                  <a:cs typeface="Calibri" panose="020F0502020204030204" pitchFamily="34" charset="0"/>
+                </a:endParaRPr>
+              </a:p>
+              <a:p>
+                <a:pPr>
+                  <a:spcBef>
+                    <a:spcPts val="0"/>
+                  </a:spcBef>
+                  <a:spcAft>
+                    <a:spcPts val="0"/>
+                  </a:spcAft>
+                </a:pPr>
+                <a:endParaRPr lang="de-DE" sz="1333" b="1" dirty="0">
+                  <a:latin typeface="Calibri" panose="020F0502020204030204" pitchFamily="34" charset="0"/>
+                  <a:cs typeface="Calibri" panose="020F0502020204030204" pitchFamily="34" charset="0"/>
+                </a:endParaRPr>
+              </a:p>
+              <a:p>
+                <a:pPr>
+                  <a:spcBef>
+                    <a:spcPts val="0"/>
+                  </a:spcBef>
+                  <a:spcAft>
+                    <a:spcPts val="0"/>
+                  </a:spcAft>
+                </a:pPr>
+                <a:endParaRPr sz="1333" b="1" dirty="0">
+                  <a:latin typeface="Calibri" panose="020F0502020204030204" pitchFamily="34" charset="0"/>
+                  <a:cs typeface="Calibri" panose="020F0502020204030204" pitchFamily="34" charset="0"/>
+                </a:endParaRPr>
+              </a:p>
+            </p:txBody>
+          </p:sp>
+        </mc:Choice>
+        <mc:Fallback>
+          <p:sp>
+            <p:nvSpPr>
+              <p:cNvPr id="68" name="Google Shape;100;p14">
+                <a:extLst>
+                  <a:ext uri="{FF2B5EF4-FFF2-40B4-BE49-F238E27FC236}">
+                    <a16:creationId xmlns:a16="http://schemas.microsoft.com/office/drawing/2014/main" id="{7B08BA1A-CB16-4E15-B661-B4061A8B8412}"/>
+                  </a:ext>
+                </a:extLst>
+              </p:cNvPr>
+              <p:cNvSpPr txBox="1">
+                <a:spLocks noRot="1" noChangeAspect="1" noMove="1" noResize="1" noEditPoints="1" noAdjustHandles="1" noChangeArrowheads="1" noChangeShapeType="1" noTextEdit="1"/>
+              </p:cNvSpPr>
+              <p:nvPr/>
+            </p:nvSpPr>
+            <p:spPr>
+              <a:xfrm>
+                <a:off x="1699162" y="3423073"/>
+                <a:ext cx="748076" cy="1293082"/>
+              </a:xfrm>
+              <a:prstGeom prst="rect">
+                <a:avLst/>
+              </a:prstGeom>
+              <a:blipFill>
+                <a:blip r:embed="rId4"/>
+                <a:stretch>
+                  <a:fillRect l="-9016" t="-472" b="-2830"/>
+                </a:stretch>
+              </a:blipFill>
+              <a:ln>
+                <a:noFill/>
+              </a:ln>
+            </p:spPr>
+            <p:txBody>
+              <a:bodyPr/>
+              <a:lstStyle/>
+              <a:p>
+                <a:r>
+                  <a:rPr lang="de-DE">
+                    <a:noFill/>
+                  </a:rPr>
+                  <a:t> </a:t>
+                </a:r>
+              </a:p>
+            </p:txBody>
+          </p:sp>
+        </mc:Fallback>
+      </mc:AlternateContent>
     </p:spTree>
   </p:cSld>
   <p:clrMapOvr>
@@ -21939,8 +23013,8 @@
           <a:chExt cx="0" cy="0"/>
         </a:xfrm>
       </p:grpSpPr>
-      <mc:AlternateContent xmlns:mc="http://schemas.openxmlformats.org/markup-compatibility/2006">
-        <mc:Choice xmlns:a14="http://schemas.microsoft.com/office/drawing/2010/main" Requires="a14">
+      <mc:AlternateContent xmlns:mc="http://schemas.openxmlformats.org/markup-compatibility/2006" xmlns:a14="http://schemas.microsoft.com/office/drawing/2010/main">
+        <mc:Choice Requires="a14">
           <p:sp>
             <p:nvSpPr>
               <p:cNvPr id="2" name="Inhaltsplatzhalter 1">
@@ -22565,7 +23639,7 @@
             </p:txBody>
           </p:sp>
         </mc:Choice>
-        <mc:Fallback>
+        <mc:Fallback xmlns="">
           <p:sp>
             <p:nvSpPr>
               <p:cNvPr id="2" name="Inhaltsplatzhalter 1">
@@ -36852,6 +37926,7 @@
                 <a:bodyPr/>
                 <a:lstStyle/>
                 <a:p>
+                  <a:pPr/>
                   <a14:m>
                     <m:oMathPara xmlns:m="http://schemas.openxmlformats.org/officeDocument/2006/math">
                       <m:oMathParaPr>
@@ -36862,7 +37937,7 @@
                           <m:accPr>
                             <m:chr m:val="^"/>
                             <m:ctrlPr>
-                              <a:rPr>
+                              <a:rPr i="1">
                                 <a:latin typeface="Cambria Math" panose="02040503050406030204" pitchFamily="18" charset="0"/>
                               </a:rPr>
                             </m:ctrlPr>
@@ -36901,7 +37976,7 @@
               </p:txBody>
             </p:sp>
           </mc:Choice>
-          <mc:Fallback xmlns:p15="http://schemas.microsoft.com/office/powerpoint/2012/main" xmlns:p14="http://schemas.microsoft.com/office/powerpoint/2010/main" xmlns=""/>
+          <mc:Fallback xmlns="" xmlns:p14="http://schemas.microsoft.com/office/powerpoint/2010/main" xmlns:p15="http://schemas.microsoft.com/office/powerpoint/2012/main"/>
         </mc:AlternateContent>
         <p:sp>
           <p:nvSpPr>
@@ -36974,6 +38049,7 @@
                 <a:bodyPr/>
                 <a:lstStyle/>
                 <a:p>
+                  <a:pPr/>
                   <a14:m>
                     <m:oMathPara xmlns:m="http://schemas.openxmlformats.org/officeDocument/2006/math">
                       <m:oMathParaPr>
@@ -36983,7 +38059,7 @@
                         <m:sSub>
                           <m:sSubPr>
                             <m:ctrlPr>
-                              <a:rPr>
+                              <a:rPr i="1">
                                 <a:latin typeface="Cambria Math" panose="02040503050406030204" pitchFamily="18" charset="0"/>
                               </a:rPr>
                             </m:ctrlPr>
@@ -36993,7 +38069,7 @@
                               <m:accPr>
                                 <m:chr m:val="^"/>
                                 <m:ctrlPr>
-                                  <a:rPr>
+                                  <a:rPr i="1">
                                     <a:latin typeface="Cambria Math" panose="02040503050406030204" pitchFamily="18" charset="0"/>
                                   </a:rPr>
                                 </m:ctrlPr>
@@ -37042,7 +38118,7 @@
               </p:txBody>
             </p:sp>
           </mc:Choice>
-          <mc:Fallback xmlns:p15="http://schemas.microsoft.com/office/powerpoint/2012/main" xmlns:p14="http://schemas.microsoft.com/office/powerpoint/2010/main" xmlns=""/>
+          <mc:Fallback xmlns="" xmlns:p14="http://schemas.microsoft.com/office/powerpoint/2010/main" xmlns:p15="http://schemas.microsoft.com/office/powerpoint/2012/main"/>
         </mc:AlternateContent>
         <p:sp>
           <p:nvSpPr>
@@ -37175,6 +38251,7 @@
                 <a:bodyPr/>
                 <a:lstStyle/>
                 <a:p>
+                  <a:pPr/>
                   <a14:m>
                     <m:oMathPara xmlns:m="http://schemas.openxmlformats.org/officeDocument/2006/math">
                       <m:oMathParaPr>
@@ -37185,7 +38262,7 @@
                           <m:accPr>
                             <m:chr m:val="^"/>
                             <m:ctrlPr>
-                              <a:rPr>
+                              <a:rPr i="1">
                                 <a:latin typeface="Cambria Math" panose="02040503050406030204" pitchFamily="18" charset="0"/>
                               </a:rPr>
                             </m:ctrlPr>
@@ -37207,7 +38284,7 @@
               </p:txBody>
             </p:sp>
           </mc:Choice>
-          <mc:Fallback xmlns:p15="http://schemas.microsoft.com/office/powerpoint/2012/main" xmlns:p14="http://schemas.microsoft.com/office/powerpoint/2010/main" xmlns=""/>
+          <mc:Fallback xmlns="" xmlns:p14="http://schemas.microsoft.com/office/powerpoint/2010/main" xmlns:p15="http://schemas.microsoft.com/office/powerpoint/2012/main"/>
         </mc:AlternateContent>
         <p:sp>
           <p:nvSpPr>
@@ -37328,6 +38405,7 @@
                   <a:bodyPr/>
                   <a:lstStyle/>
                   <a:p>
+                    <a:pPr/>
                     <a14:m>
                       <m:oMathPara xmlns:m="http://schemas.openxmlformats.org/officeDocument/2006/math">
                         <m:oMathParaPr>
@@ -37337,7 +38415,7 @@
                           <m:sSub>
                             <m:sSubPr>
                               <m:ctrlPr>
-                                <a:rPr>
+                                <a:rPr i="1">
                                   <a:latin typeface="Cambria Math" panose="02040503050406030204" pitchFamily="18" charset="0"/>
                                 </a:rPr>
                               </m:ctrlPr>
@@ -37367,7 +38445,7 @@
                 </p:txBody>
               </p:sp>
             </mc:Choice>
-            <mc:Fallback xmlns:p15="http://schemas.microsoft.com/office/powerpoint/2012/main" xmlns:p14="http://schemas.microsoft.com/office/powerpoint/2010/main" xmlns=""/>
+            <mc:Fallback xmlns="" xmlns:p14="http://schemas.microsoft.com/office/powerpoint/2010/main" xmlns:p15="http://schemas.microsoft.com/office/powerpoint/2012/main"/>
           </mc:AlternateContent>
         </p:grpSp>
         <p:sp>
@@ -41961,8 +43039,8 @@
             </a:ln>
           </p:spPr>
         </p:cxnSp>
-        <mc:AlternateContent xmlns:mc="http://schemas.openxmlformats.org/markup-compatibility/2006">
-          <mc:Choice xmlns:a14="http://schemas.microsoft.com/office/drawing/2010/main" Requires="a14">
+        <mc:AlternateContent xmlns:mc="http://schemas.openxmlformats.org/markup-compatibility/2006" xmlns:a14="http://schemas.microsoft.com/office/drawing/2010/main">
+          <mc:Choice Requires="a14">
             <p:sp>
               <p:nvSpPr>
                 <p:cNvPr id="61" name="Google Shape;102;p14">
@@ -42048,7 +43126,7 @@
               </p:txBody>
             </p:sp>
           </mc:Choice>
-          <mc:Fallback>
+          <mc:Fallback xmlns="">
             <p:sp>
               <p:nvSpPr>
                 <p:cNvPr id="61" name="Google Shape;102;p14">
